--- a/lectures/160_foreach/Arrays-Advanced-Loops.pptx
+++ b/lectures/160_foreach/Arrays-Advanced-Loops.pptx
@@ -251,7 +251,7 @@
           <a:p>
             <a:fld id="{2507D560-C4D4-4804-8CBF-2C56AB6C6DB9}" type="datetimeFigureOut">
               <a:rPr lang="en-US" smtClean="0"/>
-              <a:t>6/20/2021</a:t>
+              <a:t>8/16/2021</a:t>
             </a:fld>
             <a:endParaRPr lang="en-US"/>
           </a:p>
@@ -416,7 +416,7 @@
           <a:p>
             <a:fld id="{688E7586-9A7B-41FF-B169-85DADA744493}" type="datetimeFigureOut">
               <a:rPr lang="en-US" smtClean="0"/>
-              <a:t>6/20/2021</a:t>
+              <a:t>8/16/2021</a:t>
             </a:fld>
             <a:endParaRPr lang="en-US"/>
           </a:p>
@@ -4040,8 +4040,12 @@
           </a:p>
           <a:p>
             <a:r>
-              <a:rPr lang="en-US" dirty="0"/>
-              <a:t>Spring 20XX</a:t>
+              <a:rPr lang="en-US" smtClean="0"/>
+              <a:t>Spring/Fall </a:t>
+            </a:r>
+            <a:r>
+              <a:rPr lang="en-US" dirty="0"/>
+              <a:t>20XX</a:t>
             </a:r>
           </a:p>
         </p:txBody>
